--- a/readme/setup.pptx
+++ b/readme/setup.pptx
@@ -104,6 +104,11 @@
       </a:defRPr>
     </a:lvl9pPr>
   </p:defaultTextStyle>
+  <p:extLst>
+    <p:ext uri="{EFAFB233-063F-42B5-8137-9DF3F51BA10A}">
+      <p15:sldGuideLst xmlns:p15="http://schemas.microsoft.com/office/powerpoint/2012/main"/>
+    </p:ext>
+  </p:extLst>
 </p:presentation>
 </file>
 
@@ -256,7 +261,7 @@
           <a:p>
             <a:fld id="{9793049D-6755-47DD-B7A4-5F9FF1A4CFE9}" type="datetimeFigureOut">
               <a:rPr lang="da-DK" smtClean="0"/>
-              <a:t>01-06-2023</a:t>
+              <a:t>09-07-2023</a:t>
             </a:fld>
             <a:endParaRPr lang="da-DK"/>
           </a:p>
@@ -456,7 +461,7 @@
           <a:p>
             <a:fld id="{9793049D-6755-47DD-B7A4-5F9FF1A4CFE9}" type="datetimeFigureOut">
               <a:rPr lang="da-DK" smtClean="0"/>
-              <a:t>01-06-2023</a:t>
+              <a:t>09-07-2023</a:t>
             </a:fld>
             <a:endParaRPr lang="da-DK"/>
           </a:p>
@@ -666,7 +671,7 @@
           <a:p>
             <a:fld id="{9793049D-6755-47DD-B7A4-5F9FF1A4CFE9}" type="datetimeFigureOut">
               <a:rPr lang="da-DK" smtClean="0"/>
-              <a:t>01-06-2023</a:t>
+              <a:t>09-07-2023</a:t>
             </a:fld>
             <a:endParaRPr lang="da-DK"/>
           </a:p>
@@ -866,7 +871,7 @@
           <a:p>
             <a:fld id="{9793049D-6755-47DD-B7A4-5F9FF1A4CFE9}" type="datetimeFigureOut">
               <a:rPr lang="da-DK" smtClean="0"/>
-              <a:t>01-06-2023</a:t>
+              <a:t>09-07-2023</a:t>
             </a:fld>
             <a:endParaRPr lang="da-DK"/>
           </a:p>
@@ -1142,7 +1147,7 @@
           <a:p>
             <a:fld id="{9793049D-6755-47DD-B7A4-5F9FF1A4CFE9}" type="datetimeFigureOut">
               <a:rPr lang="da-DK" smtClean="0"/>
-              <a:t>01-06-2023</a:t>
+              <a:t>09-07-2023</a:t>
             </a:fld>
             <a:endParaRPr lang="da-DK"/>
           </a:p>
@@ -1410,7 +1415,7 @@
           <a:p>
             <a:fld id="{9793049D-6755-47DD-B7A4-5F9FF1A4CFE9}" type="datetimeFigureOut">
               <a:rPr lang="da-DK" smtClean="0"/>
-              <a:t>01-06-2023</a:t>
+              <a:t>09-07-2023</a:t>
             </a:fld>
             <a:endParaRPr lang="da-DK"/>
           </a:p>
@@ -1825,7 +1830,7 @@
           <a:p>
             <a:fld id="{9793049D-6755-47DD-B7A4-5F9FF1A4CFE9}" type="datetimeFigureOut">
               <a:rPr lang="da-DK" smtClean="0"/>
-              <a:t>01-06-2023</a:t>
+              <a:t>09-07-2023</a:t>
             </a:fld>
             <a:endParaRPr lang="da-DK"/>
           </a:p>
@@ -1967,7 +1972,7 @@
           <a:p>
             <a:fld id="{9793049D-6755-47DD-B7A4-5F9FF1A4CFE9}" type="datetimeFigureOut">
               <a:rPr lang="da-DK" smtClean="0"/>
-              <a:t>01-06-2023</a:t>
+              <a:t>09-07-2023</a:t>
             </a:fld>
             <a:endParaRPr lang="da-DK"/>
           </a:p>
@@ -2080,7 +2085,7 @@
           <a:p>
             <a:fld id="{9793049D-6755-47DD-B7A4-5F9FF1A4CFE9}" type="datetimeFigureOut">
               <a:rPr lang="da-DK" smtClean="0"/>
-              <a:t>01-06-2023</a:t>
+              <a:t>09-07-2023</a:t>
             </a:fld>
             <a:endParaRPr lang="da-DK"/>
           </a:p>
@@ -2393,7 +2398,7 @@
           <a:p>
             <a:fld id="{9793049D-6755-47DD-B7A4-5F9FF1A4CFE9}" type="datetimeFigureOut">
               <a:rPr lang="da-DK" smtClean="0"/>
-              <a:t>01-06-2023</a:t>
+              <a:t>09-07-2023</a:t>
             </a:fld>
             <a:endParaRPr lang="da-DK"/>
           </a:p>
@@ -2682,7 +2687,7 @@
           <a:p>
             <a:fld id="{9793049D-6755-47DD-B7A4-5F9FF1A4CFE9}" type="datetimeFigureOut">
               <a:rPr lang="da-DK" smtClean="0"/>
-              <a:t>01-06-2023</a:t>
+              <a:t>09-07-2023</a:t>
             </a:fld>
             <a:endParaRPr lang="da-DK"/>
           </a:p>
@@ -2925,7 +2930,7 @@
           <a:p>
             <a:fld id="{9793049D-6755-47DD-B7A4-5F9FF1A4CFE9}" type="datetimeFigureOut">
               <a:rPr lang="da-DK" smtClean="0"/>
-              <a:t>01-06-2023</a:t>
+              <a:t>09-07-2023</a:t>
             </a:fld>
             <a:endParaRPr lang="da-DK"/>
           </a:p>
@@ -3483,7 +3488,7 @@
         </p:nvSpPr>
         <p:spPr>
           <a:xfrm>
-            <a:off x="3175263" y="4402728"/>
+            <a:off x="2458146" y="2611256"/>
             <a:ext cx="1851634" cy="1768493"/>
           </a:xfrm>
           <a:prstGeom prst="ellipse">
@@ -3550,7 +3555,7 @@
         </p:nvSpPr>
         <p:spPr>
           <a:xfrm>
-            <a:off x="6554772" y="4626996"/>
+            <a:off x="5084831" y="4776127"/>
             <a:ext cx="1300898" cy="1242486"/>
           </a:xfrm>
           <a:prstGeom prst="ellipse">
@@ -3605,10 +3610,10 @@
       </p:sp>
       <p:sp>
         <p:nvSpPr>
-          <p:cNvPr id="9" name="Oval 8">
-            <a:extLst>
-              <a:ext uri="{FF2B5EF4-FFF2-40B4-BE49-F238E27FC236}">
-                <a16:creationId xmlns:a16="http://schemas.microsoft.com/office/drawing/2014/main" id="{8BA5CF9F-C95C-C867-3F6B-9267F3AFB083}"/>
+          <p:cNvPr id="10" name="Oval 9">
+            <a:extLst>
+              <a:ext uri="{FF2B5EF4-FFF2-40B4-BE49-F238E27FC236}">
+                <a16:creationId xmlns:a16="http://schemas.microsoft.com/office/drawing/2014/main" id="{EE681F96-A10A-3829-2E1B-638FB820A760}"/>
               </a:ext>
             </a:extLst>
           </p:cNvPr>
@@ -3617,87 +3622,7 @@
         </p:nvSpPr>
         <p:spPr>
           <a:xfrm>
-            <a:off x="2122184" y="2022043"/>
-            <a:ext cx="1851634" cy="1768493"/>
-          </a:xfrm>
-          <a:prstGeom prst="ellipse">
-            <a:avLst/>
-          </a:prstGeom>
-          <a:solidFill>
-            <a:srgbClr val="33A06F"/>
-          </a:solidFill>
-        </p:spPr>
-        <p:style>
-          <a:lnRef idx="2">
-            <a:schemeClr val="accent1">
-              <a:shade val="50000"/>
-            </a:schemeClr>
-          </a:lnRef>
-          <a:fillRef idx="1">
-            <a:schemeClr val="accent1"/>
-          </a:fillRef>
-          <a:effectRef idx="0">
-            <a:schemeClr val="accent1"/>
-          </a:effectRef>
-          <a:fontRef idx="minor">
-            <a:schemeClr val="lt1"/>
-          </a:fontRef>
-        </p:style>
-        <p:txBody>
-          <a:bodyPr rtlCol="0" anchor="ctr"/>
-          <a:lstStyle/>
-          <a:p>
-            <a:pPr algn="ctr"/>
-            <a:r>
-              <a:rPr lang="da-DK" dirty="0"/>
-              <a:t>UI Library with </a:t>
-            </a:r>
-            <a:r>
-              <a:rPr lang="da-DK" dirty="0" err="1"/>
-              <a:t>theming</a:t>
-            </a:r>
-            <a:r>
-              <a:rPr lang="da-DK" dirty="0"/>
-              <a:t> </a:t>
-            </a:r>
-            <a:r>
-              <a:rPr lang="da-DK" dirty="0" err="1"/>
-              <a:t>engine</a:t>
-            </a:r>
-            <a:endParaRPr lang="da-DK" dirty="0"/>
-          </a:p>
-          <a:p>
-            <a:pPr algn="ctr"/>
-            <a:r>
-              <a:rPr lang="da-DK" dirty="0"/>
-              <a:t>(</a:t>
-            </a:r>
-            <a:r>
-              <a:rPr lang="da-DK" dirty="0" err="1"/>
-              <a:t>Vuetify</a:t>
-            </a:r>
-            <a:r>
-              <a:rPr lang="da-DK" dirty="0"/>
-              <a:t> 3)</a:t>
-            </a:r>
-          </a:p>
-        </p:txBody>
-      </p:sp>
-      <p:sp>
-        <p:nvSpPr>
-          <p:cNvPr id="10" name="Oval 9">
-            <a:extLst>
-              <a:ext uri="{FF2B5EF4-FFF2-40B4-BE49-F238E27FC236}">
-                <a16:creationId xmlns:a16="http://schemas.microsoft.com/office/drawing/2014/main" id="{EE681F96-A10A-3829-2E1B-638FB820A760}"/>
-              </a:ext>
-            </a:extLst>
-          </p:cNvPr>
-          <p:cNvSpPr/>
-          <p:nvPr/>
-        </p:nvSpPr>
-        <p:spPr>
-          <a:xfrm>
-            <a:off x="7315568" y="2160304"/>
+            <a:off x="7104072" y="2633416"/>
             <a:ext cx="1805231" cy="1724174"/>
           </a:xfrm>
           <a:prstGeom prst="ellipse">
@@ -3764,15 +3689,16 @@
             </a:extLst>
           </p:cNvPr>
           <p:cNvCxnSpPr>
-            <a:stCxn id="5" idx="3"/>
-            <a:endCxn id="7" idx="7"/>
+            <a:cxnSpLocks/>
+            <a:stCxn id="5" idx="2"/>
+            <a:endCxn id="7" idx="6"/>
           </p:cNvCxnSpPr>
           <p:nvPr/>
         </p:nvCxnSpPr>
         <p:spPr>
-          <a:xfrm flipH="1">
-            <a:off x="4755731" y="4252262"/>
-            <a:ext cx="187216" cy="409456"/>
+          <a:xfrm flipH="1" flipV="1">
+            <a:off x="4309780" y="3495503"/>
+            <a:ext cx="304971" cy="1"/>
           </a:xfrm>
           <a:prstGeom prst="line">
             <a:avLst/>
@@ -3803,15 +3729,16 @@
             </a:extLst>
           </p:cNvPr>
           <p:cNvCxnSpPr>
-            <a:stCxn id="5" idx="5"/>
-            <a:endCxn id="8" idx="1"/>
+            <a:cxnSpLocks/>
+            <a:stCxn id="5" idx="4"/>
+            <a:endCxn id="8" idx="0"/>
           </p:cNvCxnSpPr>
           <p:nvPr/>
         </p:nvCxnSpPr>
         <p:spPr>
-          <a:xfrm>
-            <a:off x="6527616" y="4252262"/>
-            <a:ext cx="217668" cy="556692"/>
+          <a:xfrm flipH="1">
+            <a:off x="5735280" y="4565722"/>
+            <a:ext cx="2" cy="210405"/>
           </a:xfrm>
           <a:prstGeom prst="line">
             <a:avLst/>
@@ -3850,48 +3777,8 @@
         </p:nvCxnSpPr>
         <p:spPr>
           <a:xfrm flipV="1">
-            <a:off x="6855812" y="3022391"/>
-            <a:ext cx="459756" cy="473113"/>
-          </a:xfrm>
-          <a:prstGeom prst="line">
-            <a:avLst/>
-          </a:prstGeom>
-        </p:spPr>
-        <p:style>
-          <a:lnRef idx="3">
-            <a:schemeClr val="accent1"/>
-          </a:lnRef>
-          <a:fillRef idx="0">
-            <a:schemeClr val="accent1"/>
-          </a:fillRef>
-          <a:effectRef idx="2">
-            <a:schemeClr val="accent1"/>
-          </a:effectRef>
-          <a:fontRef idx="minor">
-            <a:schemeClr val="tx1"/>
-          </a:fontRef>
-        </p:style>
-      </p:cxnSp>
-      <p:cxnSp>
-        <p:nvCxnSpPr>
-          <p:cNvPr id="18" name="Straight Connector 17">
-            <a:extLst>
-              <a:ext uri="{FF2B5EF4-FFF2-40B4-BE49-F238E27FC236}">
-                <a16:creationId xmlns:a16="http://schemas.microsoft.com/office/drawing/2014/main" id="{0CE3D2D7-F7D4-0F39-B35F-20EB64AE2D28}"/>
-              </a:ext>
-            </a:extLst>
-          </p:cNvPr>
-          <p:cNvCxnSpPr>
-            <a:cxnSpLocks/>
-            <a:stCxn id="5" idx="2"/>
-            <a:endCxn id="9" idx="6"/>
-          </p:cNvCxnSpPr>
-          <p:nvPr/>
-        </p:nvCxnSpPr>
-        <p:spPr>
-          <a:xfrm flipH="1" flipV="1">
-            <a:off x="3973818" y="2906290"/>
-            <a:ext cx="640933" cy="589214"/>
+            <a:off x="6855812" y="3495503"/>
+            <a:ext cx="248260" cy="1"/>
           </a:xfrm>
           <a:prstGeom prst="line">
             <a:avLst/>
